--- a/Introduction to Causal Inference.pptx
+++ b/Introduction to Causal Inference.pptx
@@ -5,33 +5,33 @@
     <p:sldMasterId id="2147483648" r:id="rId1"/>
   </p:sldMasterIdLst>
   <p:notesMasterIdLst>
-    <p:notesMasterId r:id="rId19"/>
+    <p:notesMasterId r:id="rId20"/>
   </p:notesMasterIdLst>
   <p:handoutMasterIdLst>
-    <p:handoutMasterId r:id="rId22"/>
+    <p:handoutMasterId r:id="rId21"/>
   </p:handoutMasterIdLst>
   <p:sldIdLst>
-    <p:sldId id="256" r:id="rId3"/>
-    <p:sldId id="257" r:id="rId4"/>
-    <p:sldId id="258" r:id="rId5"/>
-    <p:sldId id="259" r:id="rId6"/>
-    <p:sldId id="260" r:id="rId7"/>
-    <p:sldId id="261" r:id="rId8"/>
-    <p:sldId id="262" r:id="rId9"/>
-    <p:sldId id="263" r:id="rId10"/>
-    <p:sldId id="264" r:id="rId11"/>
-    <p:sldId id="265" r:id="rId12"/>
-    <p:sldId id="266" r:id="rId13"/>
-    <p:sldId id="267" r:id="rId14"/>
-    <p:sldId id="268" r:id="rId15"/>
-    <p:sldId id="269" r:id="rId16"/>
-    <p:sldId id="270" r:id="rId17"/>
-    <p:sldId id="271" r:id="rId18"/>
-    <p:sldId id="272" r:id="rId20"/>
-    <p:sldId id="274" r:id="rId21"/>
+    <p:sldId id="256" r:id="rId2"/>
+    <p:sldId id="257" r:id="rId3"/>
+    <p:sldId id="258" r:id="rId4"/>
+    <p:sldId id="259" r:id="rId5"/>
+    <p:sldId id="260" r:id="rId6"/>
+    <p:sldId id="261" r:id="rId7"/>
+    <p:sldId id="262" r:id="rId8"/>
+    <p:sldId id="263" r:id="rId9"/>
+    <p:sldId id="264" r:id="rId10"/>
+    <p:sldId id="265" r:id="rId11"/>
+    <p:sldId id="266" r:id="rId12"/>
+    <p:sldId id="267" r:id="rId13"/>
+    <p:sldId id="268" r:id="rId14"/>
+    <p:sldId id="269" r:id="rId15"/>
+    <p:sldId id="270" r:id="rId16"/>
+    <p:sldId id="271" r:id="rId17"/>
+    <p:sldId id="272" r:id="rId18"/>
+    <p:sldId id="274" r:id="rId19"/>
   </p:sldIdLst>
   <p:sldSz cx="12192000" cy="6858000"/>
-  <p:notesSz cx="7103745" cy="10234295"/>
+  <p:notesSz cx="7104063" cy="10234613"/>
   <p:defaultTextStyle>
     <a:defPPr>
       <a:defRPr lang="zh-CN"/>
@@ -127,7 +127,52 @@
       </a:defRPr>
     </a:lvl9pPr>
   </p:defaultTextStyle>
+  <p:extLst>
+    <p:ext uri="{EFAFB233-063F-42B5-8137-9DF3F51BA10A}">
+      <p15:sldGuideLst xmlns:p15="http://schemas.microsoft.com/office/powerpoint/2012/main">
+        <p15:guide id="1" orient="horz" pos="2160">
+          <p15:clr>
+            <a:srgbClr val="A4A3A4"/>
+          </p15:clr>
+        </p15:guide>
+        <p15:guide id="2" pos="3840">
+          <p15:clr>
+            <a:srgbClr val="A4A3A4"/>
+          </p15:clr>
+        </p15:guide>
+      </p15:sldGuideLst>
+    </p:ext>
+  </p:extLst>
 </p:presentation>
+</file>
+
+<file path=ppt/changesInfos/changesInfo1.xml><?xml version="1.0" encoding="utf-8"?>
+<pc:chgInfo xmlns:a="http://schemas.openxmlformats.org/drawingml/2006/main" xmlns:r="http://schemas.openxmlformats.org/officeDocument/2006/relationships" xmlns:ac="http://schemas.microsoft.com/office/drawing/2013/main/command" xmlns:pc="http://schemas.microsoft.com/office/powerpoint/2013/main/command">
+  <pc:docChgLst>
+    <pc:chgData name="leduc.bao.2020@mitb.smu.edu.sg" userId="5d3b8a14-a106-4f7a-954d-3ad2a069658c" providerId="ADAL" clId="{1818954D-A18F-4E53-824B-24C50B5849D3}"/>
+    <pc:docChg chg="modSld">
+      <pc:chgData name="leduc.bao.2020@mitb.smu.edu.sg" userId="5d3b8a14-a106-4f7a-954d-3ad2a069658c" providerId="ADAL" clId="{1818954D-A18F-4E53-824B-24C50B5849D3}" dt="2023-03-29T06:42:28.198" v="7"/>
+      <pc:docMkLst>
+        <pc:docMk/>
+      </pc:docMkLst>
+      <pc:sldChg chg="modSp mod">
+        <pc:chgData name="leduc.bao.2020@mitb.smu.edu.sg" userId="5d3b8a14-a106-4f7a-954d-3ad2a069658c" providerId="ADAL" clId="{1818954D-A18F-4E53-824B-24C50B5849D3}" dt="2023-03-29T06:42:28.198" v="7"/>
+        <pc:sldMkLst>
+          <pc:docMk/>
+          <pc:sldMk cId="0" sldId="272"/>
+        </pc:sldMkLst>
+        <pc:spChg chg="mod">
+          <ac:chgData name="leduc.bao.2020@mitb.smu.edu.sg" userId="5d3b8a14-a106-4f7a-954d-3ad2a069658c" providerId="ADAL" clId="{1818954D-A18F-4E53-824B-24C50B5849D3}" dt="2023-03-29T06:42:28.198" v="7"/>
+          <ac:spMkLst>
+            <pc:docMk/>
+            <pc:sldMk cId="0" sldId="272"/>
+            <ac:spMk id="4" creationId="{00000000-0000-0000-0000-000000000000}"/>
+          </ac:spMkLst>
+        </pc:spChg>
+      </pc:sldChg>
+    </pc:docChg>
+  </pc:docChgLst>
+</pc:chgInfo>
 </file>
 
 <file path=ppt/handoutMasters/handoutMaster1.xml><?xml version="1.0" encoding="utf-8"?>
@@ -212,6 +257,7 @@
           <a:p>
             <a:fld id="{0F9B84EA-7D68-4D60-9CB1-D50884785D1C}" type="datetimeFigureOut">
               <a:rPr lang="zh-CN" altLang="en-US" smtClean="0"/>
+              <a:t>2023/3/29</a:t>
             </a:fld>
             <a:endParaRPr lang="zh-CN" altLang="en-US"/>
           </a:p>
@@ -277,12 +323,18 @@
           <a:p>
             <a:fld id="{8D4E0FC9-F1F8-4FAE-9988-3BA365CFD46F}" type="slidenum">
               <a:rPr lang="zh-CN" altLang="en-US" smtClean="0"/>
+              <a:t>‹#›</a:t>
             </a:fld>
             <a:endParaRPr lang="zh-CN" altLang="en-US"/>
           </a:p>
         </p:txBody>
       </p:sp>
     </p:spTree>
+    <p:extLst>
+      <p:ext uri="{BB962C8B-B14F-4D97-AF65-F5344CB8AC3E}">
+        <p14:creationId xmlns:p14="http://schemas.microsoft.com/office/powerpoint/2010/main" val="1"/>
+      </p:ext>
+    </p:extLst>
   </p:cSld>
   <p:clrMap bg1="lt1" tx1="dk1" bg2="lt2" tx2="dk2" accent1="accent1" accent2="accent2" accent3="accent3" accent4="accent4" accent5="accent5" accent6="accent6" hlink="hlink" folHlink="folHlink"/>
 </p:handoutMaster>
@@ -370,6 +422,7 @@
           <a:p>
             <a:fld id="{D6C8D182-E4C8-4120-9249-FC9774456FFA}" type="datetimeFigureOut">
               <a:rPr lang="zh-CN" altLang="en-US" smtClean="0"/>
+              <a:t>2023/3/29</a:t>
             </a:fld>
             <a:endParaRPr lang="zh-CN" altLang="en-US"/>
           </a:p>
@@ -436,7 +489,6 @@
               <a:rPr lang="zh-CN" altLang="en-US"/>
               <a:t>编辑母版文本样式</a:t>
             </a:r>
-            <a:endParaRPr lang="zh-CN" altLang="en-US"/>
           </a:p>
           <a:p>
             <a:pPr lvl="1"/>
@@ -444,7 +496,6 @@
               <a:rPr lang="zh-CN" altLang="en-US"/>
               <a:t>第二级</a:t>
             </a:r>
-            <a:endParaRPr lang="zh-CN" altLang="en-US"/>
           </a:p>
           <a:p>
             <a:pPr lvl="2"/>
@@ -452,7 +503,6 @@
               <a:rPr lang="zh-CN" altLang="en-US"/>
               <a:t>第三级</a:t>
             </a:r>
-            <a:endParaRPr lang="zh-CN" altLang="en-US"/>
           </a:p>
           <a:p>
             <a:pPr lvl="3"/>
@@ -460,7 +510,6 @@
               <a:rPr lang="zh-CN" altLang="en-US"/>
               <a:t>第四级</a:t>
             </a:r>
-            <a:endParaRPr lang="zh-CN" altLang="en-US"/>
           </a:p>
           <a:p>
             <a:pPr lvl="4"/>
@@ -468,7 +517,6 @@
               <a:rPr lang="zh-CN" altLang="en-US"/>
               <a:t>第五级</a:t>
             </a:r>
-            <a:endParaRPr lang="zh-CN" altLang="en-US"/>
           </a:p>
         </p:txBody>
       </p:sp>
@@ -532,6 +580,7 @@
           <a:p>
             <a:fld id="{85D0DACE-38E0-42D2-9336-2B707D34BC6D}" type="slidenum">
               <a:rPr lang="zh-CN" altLang="en-US" smtClean="0"/>
+              <a:t>‹#›</a:t>
             </a:fld>
             <a:endParaRPr lang="zh-CN" altLang="en-US"/>
           </a:p>
@@ -644,11 +693,20 @@
         <p:cNvGrpSpPr/>
         <p:nvPr/>
       </p:nvGrpSpPr>
-      <p:grpSpPr/>
+      <p:grpSpPr>
+        <a:xfrm>
+          <a:off x="0" y="0"/>
+          <a:ext cx="0" cy="0"/>
+          <a:chOff x="0" y="0"/>
+          <a:chExt cx="0" cy="0"/>
+        </a:xfrm>
+      </p:grpSpPr>
       <p:sp>
         <p:nvSpPr>
           <p:cNvPr id="2" name="Slide Image Placeholder 1"/>
-          <p:cNvSpPr/>
+          <p:cNvSpPr>
+            <a:spLocks noGrp="1" noRot="1" noChangeAspect="1"/>
+          </p:cNvSpPr>
           <p:nvPr>
             <p:ph type="sldImg" idx="2"/>
           </p:nvPr>
@@ -658,7 +716,9 @@
       <p:sp>
         <p:nvSpPr>
           <p:cNvPr id="3" name="Text Placeholder 2"/>
-          <p:cNvSpPr/>
+          <p:cNvSpPr>
+            <a:spLocks noGrp="1"/>
+          </p:cNvSpPr>
           <p:nvPr>
             <p:ph type="body" idx="3"/>
           </p:nvPr>
@@ -666,6 +726,7 @@
         <p:spPr/>
         <p:txBody>
           <a:bodyPr/>
+          <a:lstStyle/>
           <a:p>
             <a:endParaRPr lang="en-US"/>
           </a:p>
@@ -739,9 +800,6 @@
               </a:rPr>
               <a:t>Click to edit Master title style</a:t>
             </a:r>
-            <a:endParaRPr lang="zh-CN" altLang="en-US" dirty="0">
-              <a:sym typeface="+mn-ea"/>
-            </a:endParaRPr>
           </a:p>
         </p:txBody>
       </p:sp>
@@ -762,6 +820,7 @@
           <a:p>
             <a:fld id="{760FBDFE-C587-4B4C-A407-44438C67B59E}" type="datetimeFigureOut">
               <a:rPr lang="zh-CN" altLang="en-US" smtClean="0"/>
+              <a:t>2023/3/29</a:t>
             </a:fld>
             <a:endParaRPr lang="zh-CN" altLang="en-US"/>
           </a:p>
@@ -803,6 +862,7 @@
           <a:p>
             <a:fld id="{49AE70B2-8BF9-45C0-BB95-33D1B9D3A854}" type="slidenum">
               <a:rPr lang="zh-CN" altLang="en-US" smtClean="0"/>
+              <a:t>‹#›</a:t>
             </a:fld>
             <a:endParaRPr lang="zh-CN" altLang="en-US"/>
           </a:p>
@@ -881,7 +941,6 @@
               <a:rPr lang="zh-CN" altLang="en-US" dirty="0"/>
               <a:t>Click to edit Master subtitle style</a:t>
             </a:r>
-            <a:endParaRPr lang="zh-CN" altLang="en-US" dirty="0"/>
           </a:p>
         </p:txBody>
       </p:sp>
@@ -927,6 +986,7 @@
           <a:p>
             <a:fld id="{760FBDFE-C587-4B4C-A407-44438C67B59E}" type="datetimeFigureOut">
               <a:rPr lang="zh-CN" altLang="en-US" smtClean="0"/>
+              <a:t>2023/3/29</a:t>
             </a:fld>
             <a:endParaRPr lang="zh-CN" altLang="en-US"/>
           </a:p>
@@ -968,6 +1028,7 @@
           <a:p>
             <a:fld id="{49AE70B2-8BF9-45C0-BB95-33D1B9D3A854}" type="slidenum">
               <a:rPr lang="zh-CN" altLang="en-US" smtClean="0"/>
+              <a:t>‹#›</a:t>
             </a:fld>
             <a:endParaRPr lang="zh-CN" altLang="en-US"/>
           </a:p>
@@ -1000,9 +1061,6 @@
               </a:rPr>
               <a:t>Click to edit Master text styles</a:t>
             </a:r>
-            <a:endParaRPr lang="zh-CN" altLang="en-US" dirty="0">
-              <a:sym typeface="+mn-ea"/>
-            </a:endParaRPr>
           </a:p>
           <a:p>
             <a:pPr lvl="1"/>
@@ -1010,7 +1068,6 @@
               <a:rPr lang="zh-CN" altLang="en-US" dirty="0"/>
               <a:t>Second level</a:t>
             </a:r>
-            <a:endParaRPr lang="zh-CN" altLang="en-US" dirty="0"/>
           </a:p>
           <a:p>
             <a:pPr lvl="2"/>
@@ -1018,7 +1075,6 @@
               <a:rPr lang="zh-CN" altLang="en-US" dirty="0"/>
               <a:t>Third level</a:t>
             </a:r>
-            <a:endParaRPr lang="zh-CN" altLang="en-US" dirty="0"/>
           </a:p>
           <a:p>
             <a:pPr lvl="3"/>
@@ -1026,7 +1082,6 @@
               <a:rPr lang="zh-CN" altLang="en-US" dirty="0"/>
               <a:t>Fourth level</a:t>
             </a:r>
-            <a:endParaRPr lang="zh-CN" altLang="en-US" dirty="0"/>
           </a:p>
           <a:p>
             <a:pPr lvl="4"/>
@@ -1034,7 +1089,6 @@
               <a:rPr lang="zh-CN" altLang="en-US" dirty="0"/>
               <a:t>Fifth level</a:t>
             </a:r>
-            <a:endParaRPr lang="zh-CN" altLang="en-US" dirty="0"/>
           </a:p>
         </p:txBody>
       </p:sp>
@@ -1101,7 +1155,6 @@
               <a:rPr lang="zh-CN" altLang="en-US" dirty="0"/>
               <a:t>Click to edit Master title style</a:t>
             </a:r>
-            <a:endParaRPr lang="zh-CN" altLang="en-US" dirty="0"/>
           </a:p>
         </p:txBody>
       </p:sp>
@@ -1185,9 +1238,6 @@
               </a:rPr>
               <a:t>Click to edit Master text styles</a:t>
             </a:r>
-            <a:endParaRPr lang="zh-CN" altLang="en-US" dirty="0">
-              <a:sym typeface="+mn-ea"/>
-            </a:endParaRPr>
           </a:p>
           <a:p>
             <a:pPr lvl="1"/>
@@ -1195,7 +1245,6 @@
               <a:rPr lang="zh-CN" altLang="en-US" dirty="0"/>
               <a:t>Second level</a:t>
             </a:r>
-            <a:endParaRPr lang="zh-CN" altLang="en-US" dirty="0"/>
           </a:p>
           <a:p>
             <a:pPr lvl="2"/>
@@ -1203,7 +1252,6 @@
               <a:rPr lang="zh-CN" altLang="en-US" dirty="0"/>
               <a:t>Third level</a:t>
             </a:r>
-            <a:endParaRPr lang="zh-CN" altLang="en-US" dirty="0"/>
           </a:p>
           <a:p>
             <a:pPr lvl="3"/>
@@ -1211,7 +1259,6 @@
               <a:rPr lang="zh-CN" altLang="en-US" dirty="0"/>
               <a:t>Fourth level</a:t>
             </a:r>
-            <a:endParaRPr lang="zh-CN" altLang="en-US" dirty="0"/>
           </a:p>
           <a:p>
             <a:pPr lvl="4"/>
@@ -1219,7 +1266,6 @@
               <a:rPr lang="zh-CN" altLang="en-US" dirty="0"/>
               <a:t>Fifth level</a:t>
             </a:r>
-            <a:endParaRPr lang="zh-CN" altLang="en-US" dirty="0"/>
           </a:p>
         </p:txBody>
       </p:sp>
@@ -1240,6 +1286,7 @@
           <a:p>
             <a:fld id="{760FBDFE-C587-4B4C-A407-44438C67B59E}" type="datetimeFigureOut">
               <a:rPr lang="zh-CN" altLang="en-US" smtClean="0"/>
+              <a:t>2023/3/29</a:t>
             </a:fld>
             <a:endParaRPr lang="zh-CN" altLang="en-US"/>
           </a:p>
@@ -1281,6 +1328,7 @@
           <a:p>
             <a:fld id="{49AE70B2-8BF9-45C0-BB95-33D1B9D3A854}" type="slidenum">
               <a:rPr lang="zh-CN" altLang="en-US" smtClean="0"/>
+              <a:t>‹#›</a:t>
             </a:fld>
             <a:endParaRPr lang="zh-CN" altLang="en-US"/>
           </a:p>
@@ -1349,7 +1397,6 @@
               <a:rPr lang="zh-CN" altLang="en-US" dirty="0"/>
               <a:t>Click to edit Master title style</a:t>
             </a:r>
-            <a:endParaRPr lang="zh-CN" altLang="en-US" dirty="0"/>
           </a:p>
         </p:txBody>
       </p:sp>
@@ -1471,9 +1518,6 @@
               </a:rPr>
               <a:t>Click to edit Master text styles</a:t>
             </a:r>
-            <a:endParaRPr lang="zh-CN" altLang="en-US" dirty="0">
-              <a:sym typeface="+mn-ea"/>
-            </a:endParaRPr>
           </a:p>
         </p:txBody>
       </p:sp>
@@ -1494,6 +1538,7 @@
           <a:p>
             <a:fld id="{760FBDFE-C587-4B4C-A407-44438C67B59E}" type="datetimeFigureOut">
               <a:rPr lang="zh-CN" altLang="en-US" smtClean="0"/>
+              <a:t>2023/3/29</a:t>
             </a:fld>
             <a:endParaRPr lang="zh-CN" altLang="en-US"/>
           </a:p>
@@ -1535,6 +1580,7 @@
           <a:p>
             <a:fld id="{49AE70B2-8BF9-45C0-BB95-33D1B9D3A854}" type="slidenum">
               <a:rPr lang="zh-CN" altLang="en-US" smtClean="0"/>
+              <a:t>‹#›</a:t>
             </a:fld>
             <a:endParaRPr lang="zh-CN" altLang="en-US"/>
           </a:p>
@@ -1603,7 +1649,6 @@
               <a:rPr lang="zh-CN" altLang="en-US" dirty="0"/>
               <a:t>Click to edit Master title style</a:t>
             </a:r>
-            <a:endParaRPr lang="zh-CN" altLang="en-US" dirty="0"/>
           </a:p>
         </p:txBody>
       </p:sp>
@@ -1702,9 +1747,6 @@
               </a:rPr>
               <a:t>Click to edit Master text styles</a:t>
             </a:r>
-            <a:endParaRPr lang="zh-CN" altLang="en-US" dirty="0">
-              <a:sym typeface="+mn-ea"/>
-            </a:endParaRPr>
           </a:p>
           <a:p>
             <a:pPr lvl="1"/>
@@ -1712,7 +1754,6 @@
               <a:rPr lang="zh-CN" altLang="en-US" dirty="0"/>
               <a:t>Second level</a:t>
             </a:r>
-            <a:endParaRPr lang="zh-CN" altLang="en-US" dirty="0"/>
           </a:p>
           <a:p>
             <a:pPr lvl="2"/>
@@ -1720,7 +1761,6 @@
               <a:rPr lang="zh-CN" altLang="en-US" dirty="0"/>
               <a:t>Third level</a:t>
             </a:r>
-            <a:endParaRPr lang="zh-CN" altLang="en-US" dirty="0"/>
           </a:p>
           <a:p>
             <a:pPr lvl="3"/>
@@ -1728,7 +1768,6 @@
               <a:rPr lang="zh-CN" altLang="en-US" dirty="0"/>
               <a:t>Fourth level</a:t>
             </a:r>
-            <a:endParaRPr lang="zh-CN" altLang="en-US" dirty="0"/>
           </a:p>
           <a:p>
             <a:pPr lvl="4"/>
@@ -1736,7 +1775,6 @@
               <a:rPr lang="zh-CN" altLang="en-US" dirty="0"/>
               <a:t>Fifth level</a:t>
             </a:r>
-            <a:endParaRPr lang="zh-CN" altLang="en-US" dirty="0"/>
           </a:p>
         </p:txBody>
       </p:sp>
@@ -1835,9 +1873,6 @@
               </a:rPr>
               <a:t>Click to edit Master text styles</a:t>
             </a:r>
-            <a:endParaRPr lang="zh-CN" altLang="en-US" dirty="0">
-              <a:sym typeface="+mn-ea"/>
-            </a:endParaRPr>
           </a:p>
           <a:p>
             <a:pPr lvl="1"/>
@@ -1845,7 +1880,6 @@
               <a:rPr lang="zh-CN" altLang="en-US" dirty="0"/>
               <a:t>Second level</a:t>
             </a:r>
-            <a:endParaRPr lang="zh-CN" altLang="en-US" dirty="0"/>
           </a:p>
           <a:p>
             <a:pPr lvl="2"/>
@@ -1853,7 +1887,6 @@
               <a:rPr lang="zh-CN" altLang="en-US" dirty="0"/>
               <a:t>Third level</a:t>
             </a:r>
-            <a:endParaRPr lang="zh-CN" altLang="en-US" dirty="0"/>
           </a:p>
           <a:p>
             <a:pPr lvl="3"/>
@@ -1861,7 +1894,6 @@
               <a:rPr lang="zh-CN" altLang="en-US" dirty="0"/>
               <a:t>Fourth level</a:t>
             </a:r>
-            <a:endParaRPr lang="zh-CN" altLang="en-US" dirty="0"/>
           </a:p>
           <a:p>
             <a:pPr lvl="4"/>
@@ -1869,7 +1901,6 @@
               <a:rPr lang="zh-CN" altLang="en-US" dirty="0"/>
               <a:t>Fifth level</a:t>
             </a:r>
-            <a:endParaRPr lang="zh-CN" altLang="en-US" dirty="0"/>
           </a:p>
         </p:txBody>
       </p:sp>
@@ -1890,6 +1921,7 @@
           <a:p>
             <a:fld id="{760FBDFE-C587-4B4C-A407-44438C67B59E}" type="datetimeFigureOut">
               <a:rPr lang="zh-CN" altLang="en-US" smtClean="0"/>
+              <a:t>2023/3/29</a:t>
             </a:fld>
             <a:endParaRPr lang="zh-CN" altLang="en-US"/>
           </a:p>
@@ -1931,6 +1963,7 @@
           <a:p>
             <a:fld id="{49AE70B2-8BF9-45C0-BB95-33D1B9D3A854}" type="slidenum">
               <a:rPr lang="zh-CN" altLang="en-US" smtClean="0"/>
+              <a:t>‹#›</a:t>
             </a:fld>
             <a:endParaRPr lang="zh-CN" altLang="en-US"/>
           </a:p>
@@ -1985,7 +2018,6 @@
               <a:rPr lang="zh-CN" altLang="en-US"/>
               <a:t>Click to edit Master title style</a:t>
             </a:r>
-            <a:endParaRPr lang="zh-CN" altLang="en-US"/>
           </a:p>
         </p:txBody>
       </p:sp>
@@ -2053,9 +2085,6 @@
               </a:rPr>
               <a:t>Click to edit Master text styles</a:t>
             </a:r>
-            <a:endParaRPr lang="zh-CN" altLang="en-US" dirty="0">
-              <a:sym typeface="+mn-ea"/>
-            </a:endParaRPr>
           </a:p>
         </p:txBody>
       </p:sp>
@@ -2086,9 +2115,6 @@
               </a:rPr>
               <a:t>Click to edit Master text styles</a:t>
             </a:r>
-            <a:endParaRPr lang="zh-CN" altLang="en-US" dirty="0">
-              <a:sym typeface="+mn-ea"/>
-            </a:endParaRPr>
           </a:p>
           <a:p>
             <a:pPr lvl="1"/>
@@ -2096,7 +2122,6 @@
               <a:rPr lang="zh-CN" altLang="en-US" dirty="0"/>
               <a:t>Second level</a:t>
             </a:r>
-            <a:endParaRPr lang="zh-CN" altLang="en-US" dirty="0"/>
           </a:p>
           <a:p>
             <a:pPr lvl="2"/>
@@ -2104,7 +2129,6 @@
               <a:rPr lang="zh-CN" altLang="en-US" dirty="0"/>
               <a:t>Third level</a:t>
             </a:r>
-            <a:endParaRPr lang="zh-CN" altLang="en-US" dirty="0"/>
           </a:p>
           <a:p>
             <a:pPr lvl="3"/>
@@ -2112,7 +2136,6 @@
               <a:rPr lang="zh-CN" altLang="en-US" dirty="0"/>
               <a:t>Fourth level</a:t>
             </a:r>
-            <a:endParaRPr lang="zh-CN" altLang="en-US" dirty="0"/>
           </a:p>
           <a:p>
             <a:pPr lvl="4"/>
@@ -2120,7 +2143,6 @@
               <a:rPr lang="zh-CN" altLang="en-US" dirty="0"/>
               <a:t>Fifth level</a:t>
             </a:r>
-            <a:endParaRPr lang="zh-CN" altLang="en-US" dirty="0"/>
           </a:p>
         </p:txBody>
       </p:sp>
@@ -2188,9 +2210,6 @@
               </a:rPr>
               <a:t>Click to edit Master text styles</a:t>
             </a:r>
-            <a:endParaRPr lang="zh-CN" altLang="en-US" dirty="0">
-              <a:sym typeface="+mn-ea"/>
-            </a:endParaRPr>
           </a:p>
         </p:txBody>
       </p:sp>
@@ -2221,9 +2240,6 @@
               </a:rPr>
               <a:t>Click to edit Master text styles</a:t>
             </a:r>
-            <a:endParaRPr lang="zh-CN" altLang="en-US" dirty="0">
-              <a:sym typeface="+mn-ea"/>
-            </a:endParaRPr>
           </a:p>
           <a:p>
             <a:pPr lvl="1"/>
@@ -2231,7 +2247,6 @@
               <a:rPr lang="zh-CN" altLang="en-US" dirty="0"/>
               <a:t>Second level</a:t>
             </a:r>
-            <a:endParaRPr lang="zh-CN" altLang="en-US" dirty="0"/>
           </a:p>
           <a:p>
             <a:pPr lvl="2"/>
@@ -2239,7 +2254,6 @@
               <a:rPr lang="zh-CN" altLang="en-US" dirty="0"/>
               <a:t>Third level</a:t>
             </a:r>
-            <a:endParaRPr lang="zh-CN" altLang="en-US" dirty="0"/>
           </a:p>
           <a:p>
             <a:pPr lvl="3"/>
@@ -2247,7 +2261,6 @@
               <a:rPr lang="zh-CN" altLang="en-US" dirty="0"/>
               <a:t>Fourth level</a:t>
             </a:r>
-            <a:endParaRPr lang="zh-CN" altLang="en-US" dirty="0"/>
           </a:p>
           <a:p>
             <a:pPr lvl="4"/>
@@ -2255,7 +2268,6 @@
               <a:rPr lang="zh-CN" altLang="en-US" dirty="0"/>
               <a:t>Fifth level</a:t>
             </a:r>
-            <a:endParaRPr lang="zh-CN" altLang="en-US" dirty="0"/>
           </a:p>
         </p:txBody>
       </p:sp>
@@ -2276,6 +2288,7 @@
           <a:p>
             <a:fld id="{760FBDFE-C587-4B4C-A407-44438C67B59E}" type="datetimeFigureOut">
               <a:rPr lang="zh-CN" altLang="en-US" smtClean="0"/>
+              <a:t>2023/3/29</a:t>
             </a:fld>
             <a:endParaRPr lang="zh-CN" altLang="en-US"/>
           </a:p>
@@ -2317,6 +2330,7 @@
           <a:p>
             <a:fld id="{49AE70B2-8BF9-45C0-BB95-33D1B9D3A854}" type="slidenum">
               <a:rPr lang="zh-CN" altLang="en-US" smtClean="0"/>
+              <a:t>‹#›</a:t>
             </a:fld>
             <a:endParaRPr lang="zh-CN" altLang="en-US"/>
           </a:p>
@@ -2385,7 +2399,6 @@
               <a:rPr lang="zh-CN" altLang="en-US" dirty="0"/>
               <a:t>Click to edit Master title style</a:t>
             </a:r>
-            <a:endParaRPr lang="zh-CN" altLang="en-US" dirty="0"/>
           </a:p>
         </p:txBody>
       </p:sp>
@@ -2406,6 +2419,7 @@
           <a:p>
             <a:fld id="{760FBDFE-C587-4B4C-A407-44438C67B59E}" type="datetimeFigureOut">
               <a:rPr lang="zh-CN" altLang="en-US" smtClean="0"/>
+              <a:t>2023/3/29</a:t>
             </a:fld>
             <a:endParaRPr lang="zh-CN" altLang="en-US"/>
           </a:p>
@@ -2447,6 +2461,7 @@
           <a:p>
             <a:fld id="{49AE70B2-8BF9-45C0-BB95-33D1B9D3A854}" type="slidenum">
               <a:rPr lang="zh-CN" altLang="en-US" smtClean="0"/>
+              <a:t>‹#›</a:t>
             </a:fld>
             <a:endParaRPr lang="zh-CN" altLang="en-US"/>
           </a:p>
@@ -2494,6 +2509,7 @@
           <a:p>
             <a:fld id="{760FBDFE-C587-4B4C-A407-44438C67B59E}" type="datetimeFigureOut">
               <a:rPr lang="zh-CN" altLang="en-US" smtClean="0"/>
+              <a:t>2023/3/29</a:t>
             </a:fld>
             <a:endParaRPr lang="zh-CN" altLang="en-US"/>
           </a:p>
@@ -2535,6 +2551,7 @@
           <a:p>
             <a:fld id="{49AE70B2-8BF9-45C0-BB95-33D1B9D3A854}" type="slidenum">
               <a:rPr lang="zh-CN" altLang="en-US" smtClean="0"/>
+              <a:t>‹#›</a:t>
             </a:fld>
             <a:endParaRPr lang="zh-CN" altLang="en-US"/>
           </a:p>
@@ -2605,9 +2622,6 @@
               </a:rPr>
               <a:t>Click to edit Master title style</a:t>
             </a:r>
-            <a:endParaRPr lang="zh-CN" altLang="en-US" dirty="0">
-              <a:sym typeface="+mn-ea"/>
-            </a:endParaRPr>
           </a:p>
         </p:txBody>
       </p:sp>
@@ -2739,7 +2753,6 @@
               <a:rPr lang="zh-CN" altLang="en-US" dirty="0"/>
               <a:t>Click to edit Master text styles</a:t>
             </a:r>
-            <a:endParaRPr lang="zh-CN" altLang="en-US" dirty="0"/>
           </a:p>
         </p:txBody>
       </p:sp>
@@ -2760,6 +2773,7 @@
           <a:p>
             <a:fld id="{9EFD9D74-47D9-4702-A33C-335B63B48DBF}" type="datetimeFigureOut">
               <a:rPr lang="zh-CN" altLang="en-US" smtClean="0"/>
+              <a:t>2023/3/29</a:t>
             </a:fld>
             <a:endParaRPr lang="zh-CN" altLang="en-US" dirty="0"/>
           </a:p>
@@ -2801,6 +2815,7 @@
           <a:p>
             <a:fld id="{FABC47A4-756D-490B-A52F-7D9E2C9FC05F}" type="slidenum">
               <a:rPr lang="zh-CN" altLang="en-US" smtClean="0"/>
+              <a:t>‹#›</a:t>
             </a:fld>
             <a:endParaRPr lang="zh-CN" altLang="en-US"/>
           </a:p>
@@ -2891,7 +2906,6 @@
               <a:rPr lang="zh-CN" altLang="en-US"/>
               <a:t>Click to edit Master title style</a:t>
             </a:r>
-            <a:endParaRPr lang="zh-CN" altLang="en-US"/>
           </a:p>
         </p:txBody>
       </p:sp>
@@ -2922,9 +2936,6 @@
               </a:rPr>
               <a:t>Click to edit Master text styles</a:t>
             </a:r>
-            <a:endParaRPr lang="zh-CN" altLang="en-US" dirty="0">
-              <a:sym typeface="+mn-ea"/>
-            </a:endParaRPr>
           </a:p>
           <a:p>
             <a:pPr lvl="1"/>
@@ -2932,7 +2943,6 @@
               <a:rPr lang="zh-CN" altLang="en-US" dirty="0"/>
               <a:t>Second level</a:t>
             </a:r>
-            <a:endParaRPr lang="zh-CN" altLang="en-US" dirty="0"/>
           </a:p>
           <a:p>
             <a:pPr lvl="2"/>
@@ -2940,7 +2950,6 @@
               <a:rPr lang="zh-CN" altLang="en-US" dirty="0"/>
               <a:t>Third level</a:t>
             </a:r>
-            <a:endParaRPr lang="zh-CN" altLang="en-US" dirty="0"/>
           </a:p>
           <a:p>
             <a:pPr lvl="3"/>
@@ -2948,7 +2957,6 @@
               <a:rPr lang="zh-CN" altLang="en-US" dirty="0"/>
               <a:t>Fourth level</a:t>
             </a:r>
-            <a:endParaRPr lang="zh-CN" altLang="en-US" dirty="0"/>
           </a:p>
           <a:p>
             <a:pPr lvl="4"/>
@@ -2956,7 +2964,6 @@
               <a:rPr lang="zh-CN" altLang="en-US" dirty="0"/>
               <a:t>Fifth level</a:t>
             </a:r>
-            <a:endParaRPr lang="zh-CN" altLang="en-US" dirty="0"/>
           </a:p>
         </p:txBody>
       </p:sp>
@@ -2977,6 +2984,7 @@
           <a:p>
             <a:fld id="{760FBDFE-C587-4B4C-A407-44438C67B59E}" type="datetimeFigureOut">
               <a:rPr lang="zh-CN" altLang="en-US" smtClean="0"/>
+              <a:t>2023/3/29</a:t>
             </a:fld>
             <a:endParaRPr lang="zh-CN" altLang="en-US"/>
           </a:p>
@@ -3018,6 +3026,7 @@
           <a:p>
             <a:fld id="{49AE70B2-8BF9-45C0-BB95-33D1B9D3A854}" type="slidenum">
               <a:rPr lang="zh-CN" altLang="en-US" smtClean="0"/>
+              <a:t>‹#›</a:t>
             </a:fld>
             <a:endParaRPr lang="zh-CN" altLang="en-US"/>
           </a:p>
@@ -3085,7 +3094,6 @@
               <a:rPr lang="zh-CN" altLang="en-US" dirty="0"/>
               <a:t>Click to edit Master title style</a:t>
             </a:r>
-            <a:endParaRPr lang="zh-CN" altLang="en-US" dirty="0"/>
           </a:p>
         </p:txBody>
       </p:sp>
@@ -3121,9 +3129,6 @@
               </a:rPr>
               <a:t>Click to edit Master text styles</a:t>
             </a:r>
-            <a:endParaRPr lang="zh-CN" altLang="en-US" dirty="0">
-              <a:sym typeface="+mn-ea"/>
-            </a:endParaRPr>
           </a:p>
           <a:p>
             <a:pPr lvl="1"/>
@@ -3131,7 +3136,6 @@
               <a:rPr lang="zh-CN" altLang="en-US" dirty="0"/>
               <a:t>Second level</a:t>
             </a:r>
-            <a:endParaRPr lang="zh-CN" altLang="en-US" dirty="0"/>
           </a:p>
           <a:p>
             <a:pPr lvl="2"/>
@@ -3139,7 +3143,6 @@
               <a:rPr lang="zh-CN" altLang="en-US" dirty="0"/>
               <a:t>Third level</a:t>
             </a:r>
-            <a:endParaRPr lang="zh-CN" altLang="en-US" dirty="0"/>
           </a:p>
           <a:p>
             <a:pPr lvl="3"/>
@@ -3147,7 +3150,6 @@
               <a:rPr lang="zh-CN" altLang="en-US" dirty="0"/>
               <a:t>Fourth level</a:t>
             </a:r>
-            <a:endParaRPr lang="zh-CN" altLang="en-US" dirty="0"/>
           </a:p>
           <a:p>
             <a:pPr lvl="4"/>
@@ -3155,7 +3157,6 @@
               <a:rPr lang="zh-CN" altLang="en-US" dirty="0"/>
               <a:t>Fifth level</a:t>
             </a:r>
-            <a:endParaRPr lang="zh-CN" altLang="en-US" dirty="0"/>
           </a:p>
         </p:txBody>
       </p:sp>
@@ -3196,6 +3197,7 @@
           <a:p>
             <a:fld id="{760FBDFE-C587-4B4C-A407-44438C67B59E}" type="datetimeFigureOut">
               <a:rPr lang="zh-CN" altLang="en-US" smtClean="0"/>
+              <a:t>2023/3/29</a:t>
             </a:fld>
             <a:endParaRPr lang="zh-CN" altLang="en-US"/>
           </a:p>
@@ -3277,6 +3279,7 @@
           <a:p>
             <a:fld id="{49AE70B2-8BF9-45C0-BB95-33D1B9D3A854}" type="slidenum">
               <a:rPr lang="zh-CN" altLang="en-US" smtClean="0"/>
+              <a:t>‹#›</a:t>
             </a:fld>
             <a:endParaRPr lang="zh-CN" altLang="en-US"/>
           </a:p>
@@ -3618,7 +3621,6 @@
               <a:rPr lang="vi-VN" altLang="zh-CN"/>
               <a:t>Introduction to Causal Inference</a:t>
             </a:r>
-            <a:endParaRPr lang="vi-VN" altLang="zh-CN"/>
           </a:p>
         </p:txBody>
       </p:sp>
@@ -3658,7 +3660,14 @@
         <p:cNvGrpSpPr/>
         <p:nvPr/>
       </p:nvGrpSpPr>
-      <p:grpSpPr/>
+      <p:grpSpPr>
+        <a:xfrm>
+          <a:off x="0" y="0"/>
+          <a:ext cx="0" cy="0"/>
+          <a:chOff x="0" y="0"/>
+          <a:chExt cx="0" cy="0"/>
+        </a:xfrm>
+      </p:grpSpPr>
       <p:sp>
         <p:nvSpPr>
           <p:cNvPr id="2" name="Title 1"/>
@@ -3672,12 +3681,12 @@
         <p:spPr/>
         <p:txBody>
           <a:bodyPr/>
+          <a:lstStyle/>
           <a:p>
             <a:r>
               <a:rPr lang="en-US"/>
               <a:t>Some maths</a:t>
             </a:r>
-            <a:endParaRPr lang="en-US"/>
           </a:p>
         </p:txBody>
       </p:sp>
@@ -3699,12 +3708,12 @@
         </p:spPr>
         <p:txBody>
           <a:bodyPr/>
+          <a:lstStyle/>
           <a:p>
             <a:r>
               <a:rPr lang="en-US"/>
               <a:t>Individual Treatment Effect is impossible to measure</a:t>
             </a:r>
-            <a:endParaRPr lang="en-US"/>
           </a:p>
         </p:txBody>
       </p:sp>
@@ -3717,7 +3726,7 @@
           <p:nvPr/>
         </p:nvPicPr>
         <p:blipFill>
-          <a:blip r:embed="rId1"/>
+          <a:blip r:embed="rId2"/>
           <a:stretch>
             <a:fillRect/>
           </a:stretch>
@@ -3937,7 +3946,6 @@
               <a:rPr lang="en-US"/>
               <a:t>AB test (control randomized trial) - Average Treatment Effect</a:t>
             </a:r>
-            <a:endParaRPr lang="en-US"/>
           </a:p>
           <a:p>
             <a:endParaRPr lang="en-US"/>
@@ -3953,7 +3961,7 @@
           <p:nvPr/>
         </p:nvPicPr>
         <p:blipFill>
-          <a:blip r:embed="rId2"/>
+          <a:blip r:embed="rId3"/>
           <a:stretch>
             <a:fillRect/>
           </a:stretch>
@@ -3977,7 +3985,7 @@
           <p:nvPr/>
         </p:nvPicPr>
         <p:blipFill>
-          <a:blip r:embed="rId3"/>
+          <a:blip r:embed="rId4"/>
           <a:stretch>
             <a:fillRect/>
           </a:stretch>
@@ -4009,7 +4017,14 @@
         <p:cNvGrpSpPr/>
         <p:nvPr/>
       </p:nvGrpSpPr>
-      <p:grpSpPr/>
+      <p:grpSpPr>
+        <a:xfrm>
+          <a:off x="0" y="0"/>
+          <a:ext cx="0" cy="0"/>
+          <a:chOff x="0" y="0"/>
+          <a:chExt cx="0" cy="0"/>
+        </a:xfrm>
+      </p:grpSpPr>
       <p:sp>
         <p:nvSpPr>
           <p:cNvPr id="2" name="Title 1"/>
@@ -4023,6 +4038,7 @@
         <p:spPr/>
         <p:txBody>
           <a:bodyPr/>
+          <a:lstStyle/>
           <a:p>
             <a:r>
               <a:rPr lang="en-US">
@@ -4038,14 +4054,14 @@
         <p:nvPicPr>
           <p:cNvPr id="4" name="Content Placeholder 3"/>
           <p:cNvPicPr>
-            <a:picLocks noChangeAspect="1"/>
+            <a:picLocks noGrp="1" noChangeAspect="1"/>
           </p:cNvPicPr>
           <p:nvPr>
             <p:ph idx="1"/>
           </p:nvPr>
         </p:nvPicPr>
         <p:blipFill>
-          <a:blip r:embed="rId1"/>
+          <a:blip r:embed="rId2"/>
           <a:stretch>
             <a:fillRect/>
           </a:stretch>
@@ -4069,7 +4085,7 @@
           <p:nvPr/>
         </p:nvPicPr>
         <p:blipFill>
-          <a:blip r:embed="rId2"/>
+          <a:blip r:embed="rId3"/>
           <a:stretch>
             <a:fillRect/>
           </a:stretch>
@@ -4101,7 +4117,14 @@
         <p:cNvGrpSpPr/>
         <p:nvPr/>
       </p:nvGrpSpPr>
-      <p:grpSpPr/>
+      <p:grpSpPr>
+        <a:xfrm>
+          <a:off x="0" y="0"/>
+          <a:ext cx="0" cy="0"/>
+          <a:chOff x="0" y="0"/>
+          <a:chExt cx="0" cy="0"/>
+        </a:xfrm>
+      </p:grpSpPr>
       <p:sp>
         <p:nvSpPr>
           <p:cNvPr id="2" name="Title 1"/>
@@ -4115,12 +4138,12 @@
         <p:spPr/>
         <p:txBody>
           <a:bodyPr/>
+          <a:lstStyle/>
           <a:p>
             <a:r>
               <a:rPr lang="en-US"/>
               <a:t>Key to causality: Counterfactual</a:t>
             </a:r>
-            <a:endParaRPr lang="en-US"/>
           </a:p>
         </p:txBody>
       </p:sp>
@@ -4137,12 +4160,12 @@
         <p:spPr/>
         <p:txBody>
           <a:bodyPr/>
+          <a:lstStyle/>
           <a:p>
             <a:r>
               <a:rPr lang="en-US"/>
               <a:t>User i is given treatment A = 1. We observed Y(1). How do we estimate Y(0)?</a:t>
             </a:r>
-            <a:endParaRPr lang="en-US"/>
           </a:p>
           <a:p>
             <a:endParaRPr lang="en-US"/>
@@ -4152,7 +4175,6 @@
               <a:rPr lang="en-US"/>
               <a:t>2 methods:</a:t>
             </a:r>
-            <a:endParaRPr lang="en-US"/>
           </a:p>
           <a:p>
             <a:pPr lvl="1"/>
@@ -4160,7 +4182,6 @@
               <a:rPr lang="en-US"/>
               <a:t>Propensity score</a:t>
             </a:r>
-            <a:endParaRPr lang="en-US"/>
           </a:p>
           <a:p>
             <a:pPr lvl="1"/>
@@ -4168,7 +4189,6 @@
               <a:rPr lang="en-US"/>
               <a:t>Meta learner model</a:t>
             </a:r>
-            <a:endParaRPr lang="en-US"/>
           </a:p>
         </p:txBody>
       </p:sp>
@@ -4189,7 +4209,14 @@
         <p:cNvGrpSpPr/>
         <p:nvPr/>
       </p:nvGrpSpPr>
-      <p:grpSpPr/>
+      <p:grpSpPr>
+        <a:xfrm>
+          <a:off x="0" y="0"/>
+          <a:ext cx="0" cy="0"/>
+          <a:chOff x="0" y="0"/>
+          <a:chExt cx="0" cy="0"/>
+        </a:xfrm>
+      </p:grpSpPr>
       <p:sp>
         <p:nvSpPr>
           <p:cNvPr id="2" name="Title 1"/>
@@ -4203,6 +4230,7 @@
         <p:spPr/>
         <p:txBody>
           <a:bodyPr/>
+          <a:lstStyle/>
           <a:p>
             <a:r>
               <a:rPr lang="en-US"/>
@@ -4236,12 +4264,12 @@
         </p:spPr>
         <p:txBody>
           <a:bodyPr/>
+          <a:lstStyle/>
           <a:p>
             <a:r>
               <a:rPr lang="en-US"/>
               <a:t>Create a model (usually a logistic regression) with target variable = A (is treated or not), and input variables = the rest.</a:t>
             </a:r>
-            <a:endParaRPr lang="en-US"/>
           </a:p>
           <a:p>
             <a:pPr lvl="0"/>
@@ -4249,7 +4277,6 @@
               <a:rPr lang="en-US"/>
               <a:t>Fit and infer the model on ALL users.</a:t>
             </a:r>
-            <a:endParaRPr lang="en-US"/>
           </a:p>
           <a:p>
             <a:pPr lvl="0"/>
@@ -4257,7 +4284,6 @@
               <a:rPr lang="en-US"/>
               <a:t>Each user now has a score (called Propensity Score)</a:t>
             </a:r>
-            <a:endParaRPr lang="en-US"/>
           </a:p>
           <a:p>
             <a:pPr lvl="0"/>
@@ -4265,7 +4291,6 @@
               <a:rPr lang="en-US"/>
               <a:t>Matching users with similar Propensity Score (called Propensity Score matching. Can also use Stratification, inverse propensity score weighting, ...) from group treated and untreated</a:t>
             </a:r>
-            <a:endParaRPr lang="en-US"/>
           </a:p>
           <a:p>
             <a:pPr lvl="0"/>
@@ -4273,7 +4298,6 @@
               <a:rPr lang="en-US"/>
               <a:t>For each pair, calculate the ITE</a:t>
             </a:r>
-            <a:endParaRPr lang="en-US"/>
           </a:p>
           <a:p>
             <a:pPr lvl="0"/>
@@ -4281,7 +4305,6 @@
               <a:rPr lang="en-US"/>
               <a:t>Average ITE to get ATE</a:t>
             </a:r>
-            <a:endParaRPr lang="en-US"/>
           </a:p>
         </p:txBody>
       </p:sp>
@@ -4302,7 +4325,14 @@
         <p:cNvGrpSpPr/>
         <p:nvPr/>
       </p:nvGrpSpPr>
-      <p:grpSpPr/>
+      <p:grpSpPr>
+        <a:xfrm>
+          <a:off x="0" y="0"/>
+          <a:ext cx="0" cy="0"/>
+          <a:chOff x="0" y="0"/>
+          <a:chExt cx="0" cy="0"/>
+        </a:xfrm>
+      </p:grpSpPr>
       <p:sp>
         <p:nvSpPr>
           <p:cNvPr id="2" name="Title 1"/>
@@ -4316,18 +4346,13 @@
         <p:spPr/>
         <p:txBody>
           <a:bodyPr/>
+          <a:lstStyle/>
           <a:p>
             <a:r>
               <a:rPr lang="en-US">
                 <a:sym typeface="+mn-ea"/>
               </a:rPr>
-              <a:t>Create Counterfactual using </a:t>
-            </a:r>
-            <a:r>
-              <a:rPr lang="en-US">
-                <a:sym typeface="+mn-ea"/>
-              </a:rPr>
-              <a:t>Propensity score</a:t>
+              <a:t>Create Counterfactual using Propensity score</a:t>
             </a:r>
             <a:endParaRPr lang="en-US"/>
           </a:p>
@@ -4337,14 +4362,14 @@
         <p:nvPicPr>
           <p:cNvPr id="4" name="Content Placeholder 3"/>
           <p:cNvPicPr>
-            <a:picLocks noChangeAspect="1"/>
+            <a:picLocks noGrp="1" noChangeAspect="1"/>
           </p:cNvPicPr>
           <p:nvPr>
             <p:ph idx="1"/>
           </p:nvPr>
         </p:nvPicPr>
         <p:blipFill>
-          <a:blip r:embed="rId1"/>
+          <a:blip r:embed="rId2"/>
           <a:stretch>
             <a:fillRect/>
           </a:stretch>
@@ -4376,7 +4401,14 @@
         <p:cNvGrpSpPr/>
         <p:nvPr/>
       </p:nvGrpSpPr>
-      <p:grpSpPr/>
+      <p:grpSpPr>
+        <a:xfrm>
+          <a:off x="0" y="0"/>
+          <a:ext cx="0" cy="0"/>
+          <a:chOff x="0" y="0"/>
+          <a:chExt cx="0" cy="0"/>
+        </a:xfrm>
+      </p:grpSpPr>
       <p:sp>
         <p:nvSpPr>
           <p:cNvPr id="2" name="Title 1"/>
@@ -4390,18 +4422,13 @@
         <p:spPr/>
         <p:txBody>
           <a:bodyPr/>
+          <a:lstStyle/>
           <a:p>
             <a:r>
               <a:rPr lang="en-US">
                 <a:sym typeface="+mn-ea"/>
               </a:rPr>
-              <a:t>Create Counterfactual using </a:t>
-            </a:r>
-            <a:r>
-              <a:rPr lang="en-US">
-                <a:sym typeface="+mn-ea"/>
-              </a:rPr>
-              <a:t>Meta learner</a:t>
+              <a:t>Create Counterfactual using Meta learner</a:t>
             </a:r>
             <a:endParaRPr lang="en-US"/>
           </a:p>
@@ -4411,14 +4438,14 @@
         <p:nvPicPr>
           <p:cNvPr id="4" name="Content Placeholder 3"/>
           <p:cNvPicPr>
-            <a:picLocks noChangeAspect="1"/>
+            <a:picLocks noGrp="1" noChangeAspect="1"/>
           </p:cNvPicPr>
           <p:nvPr>
             <p:ph idx="1"/>
           </p:nvPr>
         </p:nvPicPr>
         <p:blipFill>
-          <a:blip r:embed="rId1"/>
+          <a:blip r:embed="rId2"/>
           <a:stretch>
             <a:fillRect/>
           </a:stretch>
@@ -4450,7 +4477,14 @@
         <p:cNvGrpSpPr/>
         <p:nvPr/>
       </p:nvGrpSpPr>
-      <p:grpSpPr/>
+      <p:grpSpPr>
+        <a:xfrm>
+          <a:off x="0" y="0"/>
+          <a:ext cx="0" cy="0"/>
+          <a:chOff x="0" y="0"/>
+          <a:chExt cx="0" cy="0"/>
+        </a:xfrm>
+      </p:grpSpPr>
       <p:sp>
         <p:nvSpPr>
           <p:cNvPr id="2" name="Title 1"/>
@@ -4464,12 +4498,12 @@
         <p:spPr/>
         <p:txBody>
           <a:bodyPr/>
+          <a:lstStyle/>
           <a:p>
             <a:r>
               <a:rPr lang="en-US"/>
               <a:t>(Optional) Use DAGs to eliminate confounders</a:t>
             </a:r>
-            <a:endParaRPr lang="en-US"/>
           </a:p>
         </p:txBody>
       </p:sp>
@@ -4477,14 +4511,14 @@
         <p:nvPicPr>
           <p:cNvPr id="4" name="Content Placeholder 3"/>
           <p:cNvPicPr>
-            <a:picLocks noChangeAspect="1"/>
+            <a:picLocks noGrp="1" noChangeAspect="1"/>
           </p:cNvPicPr>
           <p:nvPr>
             <p:ph idx="1"/>
           </p:nvPr>
         </p:nvPicPr>
         <p:blipFill>
-          <a:blip r:embed="rId1"/>
+          <a:blip r:embed="rId3"/>
           <a:stretch>
             <a:fillRect/>
           </a:stretch>
@@ -4516,7 +4550,14 @@
         <p:cNvGrpSpPr/>
         <p:nvPr/>
       </p:nvGrpSpPr>
-      <p:grpSpPr/>
+      <p:grpSpPr>
+        <a:xfrm>
+          <a:off x="0" y="0"/>
+          <a:ext cx="0" cy="0"/>
+          <a:chOff x="0" y="0"/>
+          <a:chExt cx="0" cy="0"/>
+        </a:xfrm>
+      </p:grpSpPr>
       <p:sp>
         <p:nvSpPr>
           <p:cNvPr id="2" name="Title 1"/>
@@ -4530,19 +4571,21 @@
         <p:spPr/>
         <p:txBody>
           <a:bodyPr/>
+          <a:lstStyle/>
           <a:p>
             <a:r>
               <a:rPr lang="en-US"/>
               <a:t>Demo</a:t>
             </a:r>
-            <a:endParaRPr lang="en-US"/>
           </a:p>
         </p:txBody>
       </p:sp>
       <p:sp>
         <p:nvSpPr>
           <p:cNvPr id="4" name="Content Placeholder 3"/>
-          <p:cNvSpPr/>
+          <p:cNvSpPr>
+            <a:spLocks noGrp="1"/>
+          </p:cNvSpPr>
           <p:nvPr>
             <p:ph idx="1"/>
           </p:nvPr>
@@ -4550,8 +4593,27 @@
         <p:spPr/>
         <p:txBody>
           <a:bodyPr/>
-          <a:p>
-            <a:endParaRPr lang="en-US"/>
+          <a:lstStyle/>
+          <a:p>
+            <a:r>
+              <a:rPr lang="en-US" dirty="0" err="1"/>
+              <a:t>SimpsonParadox.ipynb</a:t>
+            </a:r>
+            <a:endParaRPr lang="en-US" dirty="0"/>
+          </a:p>
+          <a:p>
+            <a:r>
+              <a:rPr lang="en-US" dirty="0" err="1"/>
+              <a:t>sodium_example.ipynb</a:t>
+            </a:r>
+            <a:endParaRPr lang="en-US" dirty="0"/>
+          </a:p>
+          <a:p>
+            <a:r>
+              <a:rPr lang="en-US"/>
+              <a:t>https://github.com/py-why/dowhy/blob/main/docs/source/example_notebooks/DoWhy-The%20Causal%20Story%20Behind%20Hotel%20Booking%20Cancellations.ipynb</a:t>
+            </a:r>
+            <a:endParaRPr lang="en-US" dirty="0"/>
           </a:p>
         </p:txBody>
       </p:sp>
@@ -4572,7 +4634,14 @@
         <p:cNvGrpSpPr/>
         <p:nvPr/>
       </p:nvGrpSpPr>
-      <p:grpSpPr/>
+      <p:grpSpPr>
+        <a:xfrm>
+          <a:off x="0" y="0"/>
+          <a:ext cx="0" cy="0"/>
+          <a:chOff x="0" y="0"/>
+          <a:chExt cx="0" cy="0"/>
+        </a:xfrm>
+      </p:grpSpPr>
       <p:sp>
         <p:nvSpPr>
           <p:cNvPr id="2" name="Title 1"/>
@@ -4586,12 +4655,12 @@
         <p:spPr/>
         <p:txBody>
           <a:bodyPr/>
+          <a:lstStyle/>
           <a:p>
             <a:r>
               <a:rPr lang="en-US" altLang="vi-VN"/>
               <a:t>Resources</a:t>
             </a:r>
-            <a:endParaRPr lang="en-US" altLang="vi-VN"/>
           </a:p>
         </p:txBody>
       </p:sp>
@@ -4608,40 +4677,36 @@
         <p:spPr/>
         <p:txBody>
           <a:bodyPr/>
+          <a:lstStyle/>
           <a:p>
             <a:r>
               <a:rPr lang="en-US"/>
               <a:t>https://www.bradyneal.com/Introduction_to_Causal_Inference-Dec17_2020-Neal.pdf</a:t>
             </a:r>
-            <a:endParaRPr lang="en-US"/>
           </a:p>
           <a:p>
             <a:r>
               <a:rPr lang="en-US"/>
               <a:t>https://www.coursera.org/learn/crash-course-in-causality/home/welcome</a:t>
             </a:r>
-            <a:endParaRPr lang="en-US"/>
           </a:p>
           <a:p>
             <a:r>
               <a:rPr lang="en-US"/>
               <a:t>https://www.pywhy.org/dowhy/v0.9.1/index.html</a:t>
             </a:r>
-            <a:endParaRPr lang="en-US"/>
           </a:p>
           <a:p>
             <a:r>
               <a:rPr lang="en-US"/>
               <a:t>https://towardsdatascience.com/beyond-predictive-models-the-causal-story-behind-hotel-booking-cancellations-d29e8558cbaf</a:t>
             </a:r>
-            <a:endParaRPr lang="en-US"/>
           </a:p>
           <a:p>
             <a:r>
               <a:rPr lang="en-US"/>
               <a:t>https://towardsdatascience.com/causal-effects-f30f962ffff3</a:t>
             </a:r>
-            <a:endParaRPr lang="en-US"/>
           </a:p>
         </p:txBody>
       </p:sp>
@@ -4662,7 +4727,14 @@
         <p:cNvGrpSpPr/>
         <p:nvPr/>
       </p:nvGrpSpPr>
-      <p:grpSpPr/>
+      <p:grpSpPr>
+        <a:xfrm>
+          <a:off x="0" y="0"/>
+          <a:ext cx="0" cy="0"/>
+          <a:chOff x="0" y="0"/>
+          <a:chExt cx="0" cy="0"/>
+        </a:xfrm>
+      </p:grpSpPr>
       <p:sp>
         <p:nvSpPr>
           <p:cNvPr id="2" name="Title 1"/>
@@ -4676,12 +4748,12 @@
         <p:spPr/>
         <p:txBody>
           <a:bodyPr/>
+          <a:lstStyle/>
           <a:p>
             <a:r>
               <a:rPr lang="en-US" altLang="vi-VN"/>
               <a:t>Recap of AB testing</a:t>
             </a:r>
-            <a:endParaRPr lang="en-US" altLang="vi-VN"/>
           </a:p>
         </p:txBody>
       </p:sp>
@@ -4689,14 +4761,14 @@
         <p:nvPicPr>
           <p:cNvPr id="4" name="Content Placeholder 3"/>
           <p:cNvPicPr>
-            <a:picLocks noChangeAspect="1"/>
+            <a:picLocks noGrp="1" noChangeAspect="1"/>
           </p:cNvPicPr>
           <p:nvPr>
             <p:ph idx="1"/>
           </p:nvPr>
         </p:nvPicPr>
         <p:blipFill>
-          <a:blip r:embed="rId1"/>
+          <a:blip r:embed="rId2"/>
           <a:stretch>
             <a:fillRect/>
           </a:stretch>
@@ -4728,7 +4800,14 @@
         <p:cNvGrpSpPr/>
         <p:nvPr/>
       </p:nvGrpSpPr>
-      <p:grpSpPr/>
+      <p:grpSpPr>
+        <a:xfrm>
+          <a:off x="0" y="0"/>
+          <a:ext cx="0" cy="0"/>
+          <a:chOff x="0" y="0"/>
+          <a:chExt cx="0" cy="0"/>
+        </a:xfrm>
+      </p:grpSpPr>
       <p:sp>
         <p:nvSpPr>
           <p:cNvPr id="2" name="Title 1"/>
@@ -4742,19 +4821,21 @@
         <p:spPr/>
         <p:txBody>
           <a:bodyPr/>
+          <a:lstStyle/>
           <a:p>
             <a:r>
               <a:rPr lang="en-US" altLang="vi-VN"/>
               <a:t>Recap of AB testing</a:t>
             </a:r>
-            <a:endParaRPr lang="en-US" altLang="vi-VN"/>
           </a:p>
         </p:txBody>
       </p:sp>
       <p:sp>
         <p:nvSpPr>
           <p:cNvPr id="3" name="Content Placeholder 2"/>
-          <p:cNvSpPr/>
+          <p:cNvSpPr>
+            <a:spLocks noGrp="1"/>
+          </p:cNvSpPr>
           <p:nvPr>
             <p:ph idx="1"/>
           </p:nvPr>
@@ -4762,12 +4843,12 @@
         <p:spPr/>
         <p:txBody>
           <a:bodyPr/>
+          <a:lstStyle/>
           <a:p>
             <a:r>
               <a:rPr lang="en-US"/>
               <a:t>Disadvantage:</a:t>
             </a:r>
-            <a:endParaRPr lang="en-US"/>
           </a:p>
           <a:p>
             <a:pPr lvl="1"/>
@@ -4775,7 +4856,6 @@
               <a:rPr lang="en-US" sz="1800"/>
               <a:t>Ethical: Sometimes it is unethical to test on users (e.g. in medical field, you cannot test the effect of smoking on pregnant women)</a:t>
             </a:r>
-            <a:endParaRPr lang="en-US" sz="1800"/>
           </a:p>
           <a:p>
             <a:pPr lvl="1"/>
@@ -4783,7 +4863,6 @@
               <a:rPr lang="en-US"/>
               <a:t>Time: Need time to collect result (at least 2 weeks)</a:t>
             </a:r>
-            <a:endParaRPr lang="en-US"/>
           </a:p>
           <a:p>
             <a:pPr lvl="1"/>
@@ -4823,7 +4902,6 @@
               <a:rPr lang="en-US"/>
               <a:t>Costly: Need company maturity to implement</a:t>
             </a:r>
-            <a:endParaRPr lang="en-US"/>
           </a:p>
         </p:txBody>
       </p:sp>
@@ -4844,7 +4922,14 @@
         <p:cNvGrpSpPr/>
         <p:nvPr/>
       </p:nvGrpSpPr>
-      <p:grpSpPr/>
+      <p:grpSpPr>
+        <a:xfrm>
+          <a:off x="0" y="0"/>
+          <a:ext cx="0" cy="0"/>
+          <a:chOff x="0" y="0"/>
+          <a:chExt cx="0" cy="0"/>
+        </a:xfrm>
+      </p:grpSpPr>
       <p:sp>
         <p:nvSpPr>
           <p:cNvPr id="2" name="Title 1"/>
@@ -4858,12 +4943,12 @@
         <p:spPr/>
         <p:txBody>
           <a:bodyPr/>
+          <a:lstStyle/>
           <a:p>
             <a:r>
               <a:rPr lang="en-US"/>
               <a:t>Enters Causal Inference</a:t>
             </a:r>
-            <a:endParaRPr lang="en-US"/>
           </a:p>
         </p:txBody>
       </p:sp>
@@ -4880,12 +4965,12 @@
         <p:spPr/>
         <p:txBody>
           <a:bodyPr/>
+          <a:lstStyle/>
           <a:p>
             <a:r>
               <a:rPr lang="en-US"/>
               <a:t>Advantage:</a:t>
             </a:r>
-            <a:endParaRPr lang="en-US"/>
           </a:p>
           <a:p>
             <a:pPr lvl="1"/>
@@ -4893,7 +4978,6 @@
               <a:rPr lang="en-US"/>
               <a:t>Can work on historical data</a:t>
             </a:r>
-            <a:endParaRPr lang="en-US"/>
           </a:p>
           <a:p>
             <a:pPr lvl="1"/>
@@ -4901,7 +4985,6 @@
               <a:rPr lang="en-US"/>
               <a:t>Only require observational data (i.e. No intervention needed)</a:t>
             </a:r>
-            <a:endParaRPr lang="en-US"/>
           </a:p>
           <a:p>
             <a:pPr lvl="0"/>
@@ -4909,7 +4992,6 @@
               <a:rPr lang="en-US"/>
               <a:t>Disadvantage:</a:t>
             </a:r>
-            <a:endParaRPr lang="en-US"/>
           </a:p>
           <a:p>
             <a:pPr lvl="1"/>
@@ -4917,7 +4999,6 @@
               <a:rPr lang="en-US"/>
               <a:t>Less reliable</a:t>
             </a:r>
-            <a:endParaRPr lang="en-US"/>
           </a:p>
         </p:txBody>
       </p:sp>
@@ -4938,7 +5019,14 @@
         <p:cNvGrpSpPr/>
         <p:nvPr/>
       </p:nvGrpSpPr>
-      <p:grpSpPr/>
+      <p:grpSpPr>
+        <a:xfrm>
+          <a:off x="0" y="0"/>
+          <a:ext cx="0" cy="0"/>
+          <a:chOff x="0" y="0"/>
+          <a:chExt cx="0" cy="0"/>
+        </a:xfrm>
+      </p:grpSpPr>
       <p:sp>
         <p:nvSpPr>
           <p:cNvPr id="2" name="Title 1"/>
@@ -4952,12 +5040,12 @@
         <p:spPr/>
         <p:txBody>
           <a:bodyPr/>
+          <a:lstStyle/>
           <a:p>
             <a:r>
               <a:rPr lang="en-US"/>
               <a:t>What is Causality</a:t>
             </a:r>
-            <a:endParaRPr lang="en-US"/>
           </a:p>
         </p:txBody>
       </p:sp>
@@ -4965,14 +5053,14 @@
         <p:nvPicPr>
           <p:cNvPr id="4" name="Content Placeholder 3"/>
           <p:cNvPicPr>
-            <a:picLocks noChangeAspect="1"/>
+            <a:picLocks noGrp="1" noChangeAspect="1"/>
           </p:cNvPicPr>
           <p:nvPr>
             <p:ph idx="1"/>
           </p:nvPr>
         </p:nvPicPr>
         <p:blipFill>
-          <a:blip r:embed="rId1"/>
+          <a:blip r:embed="rId2"/>
           <a:stretch>
             <a:fillRect/>
           </a:stretch>
@@ -5004,7 +5092,14 @@
         <p:cNvGrpSpPr/>
         <p:nvPr/>
       </p:nvGrpSpPr>
-      <p:grpSpPr/>
+      <p:grpSpPr>
+        <a:xfrm>
+          <a:off x="0" y="0"/>
+          <a:ext cx="0" cy="0"/>
+          <a:chOff x="0" y="0"/>
+          <a:chExt cx="0" cy="0"/>
+        </a:xfrm>
+      </p:grpSpPr>
       <p:sp>
         <p:nvSpPr>
           <p:cNvPr id="2" name="Title 1"/>
@@ -5018,12 +5113,12 @@
         <p:spPr/>
         <p:txBody>
           <a:bodyPr/>
+          <a:lstStyle/>
           <a:p>
             <a:r>
               <a:rPr lang="en-US"/>
               <a:t>What is Causality</a:t>
             </a:r>
-            <a:endParaRPr lang="en-US"/>
           </a:p>
         </p:txBody>
       </p:sp>
@@ -5031,14 +5126,14 @@
         <p:nvPicPr>
           <p:cNvPr id="4" name="Content Placeholder 3"/>
           <p:cNvPicPr>
-            <a:picLocks noChangeAspect="1"/>
+            <a:picLocks noGrp="1" noChangeAspect="1"/>
           </p:cNvPicPr>
           <p:nvPr>
             <p:ph idx="1"/>
           </p:nvPr>
         </p:nvPicPr>
         <p:blipFill>
-          <a:blip r:embed="rId1"/>
+          <a:blip r:embed="rId2"/>
           <a:stretch>
             <a:fillRect/>
           </a:stretch>
@@ -5070,7 +5165,14 @@
         <p:cNvGrpSpPr/>
         <p:nvPr/>
       </p:nvGrpSpPr>
-      <p:grpSpPr/>
+      <p:grpSpPr>
+        <a:xfrm>
+          <a:off x="0" y="0"/>
+          <a:ext cx="0" cy="0"/>
+          <a:chOff x="0" y="0"/>
+          <a:chExt cx="0" cy="0"/>
+        </a:xfrm>
+      </p:grpSpPr>
       <p:sp>
         <p:nvSpPr>
           <p:cNvPr id="2" name="Title 1"/>
@@ -5084,12 +5186,12 @@
         <p:spPr/>
         <p:txBody>
           <a:bodyPr/>
+          <a:lstStyle/>
           <a:p>
             <a:r>
               <a:rPr lang="en-US"/>
               <a:t>Definition (my opinion)</a:t>
             </a:r>
-            <a:endParaRPr lang="en-US"/>
           </a:p>
         </p:txBody>
       </p:sp>
@@ -5106,6 +5208,7 @@
         <p:spPr/>
         <p:txBody>
           <a:bodyPr/>
+          <a:lstStyle/>
           <a:p>
             <a:r>
               <a:rPr lang="en-US"/>
@@ -5127,7 +5230,6 @@
               <a:rPr lang="en-US"/>
               <a:t>(0 or 1), and Y be result (0 or 1).</a:t>
             </a:r>
-            <a:endParaRPr lang="en-US"/>
           </a:p>
           <a:p>
             <a:r>
@@ -5140,9 +5242,6 @@
               </a:rPr>
               <a:t>Y|do(T=0)</a:t>
             </a:r>
-            <a:endParaRPr lang="en-US">
-              <a:sym typeface="+mn-ea"/>
-            </a:endParaRPr>
           </a:p>
           <a:p>
             <a:endParaRPr lang="en-US"/>
@@ -5155,7 +5254,6 @@
               <a:rPr lang="en-US"/>
               <a:t>* (do(T) is the act of actively, physically set T to a value)</a:t>
             </a:r>
-            <a:endParaRPr lang="en-US"/>
           </a:p>
         </p:txBody>
       </p:sp>
@@ -5168,7 +5266,7 @@
           <p:nvPr/>
         </p:nvPicPr>
         <p:blipFill>
-          <a:blip r:embed="rId1"/>
+          <a:blip r:embed="rId2"/>
           <a:stretch>
             <a:fillRect/>
           </a:stretch>
@@ -5200,7 +5298,14 @@
         <p:cNvGrpSpPr/>
         <p:nvPr/>
       </p:nvGrpSpPr>
-      <p:grpSpPr/>
+      <p:grpSpPr>
+        <a:xfrm>
+          <a:off x="0" y="0"/>
+          <a:ext cx="0" cy="0"/>
+          <a:chOff x="0" y="0"/>
+          <a:chExt cx="0" cy="0"/>
+        </a:xfrm>
+      </p:grpSpPr>
       <p:sp>
         <p:nvSpPr>
           <p:cNvPr id="2" name="Title 1"/>
@@ -5214,12 +5319,12 @@
         <p:spPr/>
         <p:txBody>
           <a:bodyPr/>
+          <a:lstStyle/>
           <a:p>
             <a:r>
               <a:rPr lang="en-US"/>
               <a:t>Test my definition</a:t>
             </a:r>
-            <a:endParaRPr lang="en-US"/>
           </a:p>
         </p:txBody>
       </p:sp>
@@ -5236,12 +5341,12 @@
         <p:spPr/>
         <p:txBody>
           <a:bodyPr/>
+          <a:lstStyle/>
           <a:p>
             <a:r>
               <a:rPr lang="en-US"/>
               <a:t>Test 1: Spurious correlation</a:t>
             </a:r>
-            <a:endParaRPr lang="en-US"/>
           </a:p>
           <a:p>
             <a:endParaRPr lang="en-US"/>
@@ -5257,7 +5362,7 @@
           <p:nvPr/>
         </p:nvPicPr>
         <p:blipFill>
-          <a:blip r:embed="rId1"/>
+          <a:blip r:embed="rId2"/>
           <a:stretch>
             <a:fillRect/>
           </a:stretch>
@@ -5289,7 +5394,14 @@
         <p:cNvGrpSpPr/>
         <p:nvPr/>
       </p:nvGrpSpPr>
-      <p:grpSpPr/>
+      <p:grpSpPr>
+        <a:xfrm>
+          <a:off x="0" y="0"/>
+          <a:ext cx="0" cy="0"/>
+          <a:chOff x="0" y="0"/>
+          <a:chExt cx="0" cy="0"/>
+        </a:xfrm>
+      </p:grpSpPr>
       <p:sp>
         <p:nvSpPr>
           <p:cNvPr id="2" name="Title 1"/>
@@ -5303,12 +5415,12 @@
         <p:spPr/>
         <p:txBody>
           <a:bodyPr/>
+          <a:lstStyle/>
           <a:p>
             <a:r>
               <a:rPr lang="en-US"/>
               <a:t>Test my definition</a:t>
             </a:r>
-            <a:endParaRPr lang="en-US"/>
           </a:p>
         </p:txBody>
       </p:sp>
@@ -5325,12 +5437,12 @@
         <p:spPr/>
         <p:txBody>
           <a:bodyPr/>
+          <a:lstStyle/>
           <a:p>
             <a:r>
               <a:rPr lang="en-US"/>
               <a:t>Test 2: Simpson Paradox</a:t>
             </a:r>
-            <a:endParaRPr lang="en-US"/>
           </a:p>
         </p:txBody>
       </p:sp>
@@ -5343,7 +5455,7 @@
           <p:nvPr/>
         </p:nvPicPr>
         <p:blipFill>
-          <a:blip r:embed="rId1"/>
+          <a:blip r:embed="rId2"/>
           <a:stretch>
             <a:fillRect/>
           </a:stretch>
@@ -5617,6 +5729,8 @@
       </a:bgFillStyleLst>
     </a:fmtScheme>
   </a:themeElements>
+  <a:objectDefaults/>
+  <a:extraClrSchemeLst/>
   <a:extLst>
     <a:ext uri="{05A4C25C-085E-4340-85A3-A5531E510DB2}">
       <thm15:themeFamily xmlns:thm15="http://schemas.microsoft.com/office/thememl/2012/main" name="Office Theme" id="{62F939B6-93AF-4DB8-9C6B-D6C7DFDC589F}" vid="{4A3C46E8-61CC-4603-A589-7422A47A8E4A}"/>
@@ -5876,6 +5990,8 @@
       </a:bgFillStyleLst>
     </a:fmtScheme>
   </a:themeElements>
+  <a:objectDefaults/>
+  <a:extraClrSchemeLst/>
   <a:extLst>
     <a:ext uri="{05A4C25C-085E-4340-85A3-A5531E510DB2}">
       <thm15:themeFamily xmlns:thm15="http://schemas.microsoft.com/office/thememl/2012/main" name="Office Theme" id="{62F939B6-93AF-4DB8-9C6B-D6C7DFDC589F}" vid="{4A3C46E8-61CC-4603-A589-7422A47A8E4A}"/>
@@ -6135,6 +6251,8 @@
       </a:bgFillStyleLst>
     </a:fmtScheme>
   </a:themeElements>
+  <a:objectDefaults/>
+  <a:extraClrSchemeLst/>
   <a:extLst>
     <a:ext uri="{05A4C25C-085E-4340-85A3-A5531E510DB2}">
       <thm15:themeFamily xmlns:thm15="http://schemas.microsoft.com/office/thememl/2012/main" name="Office Theme" id="{62F939B6-93AF-4DB8-9C6B-D6C7DFDC589F}" vid="{4A3C46E8-61CC-4603-A589-7422A47A8E4A}"/>
